--- a/files/teaching-resources/concordiacollege-bus-201/bus-201-lecture-note/bus201-ch01.pptx
+++ b/files/teaching-resources/concordiacollege-bus-201/bus-201-lecture-note/bus201-ch01.pptx
@@ -237,7 +237,7 @@
           <a:p>
             <a:fld id="{2D359EC7-19C7-4638-A61A-0E2B59861576}" type="datetimeFigureOut">
               <a:rPr lang="en-US" smtClean="0"/>
-              <a:t>9/19/2025</a:t>
+              <a:t>9/22/2025</a:t>
             </a:fld>
             <a:endParaRPr lang="en-US"/>
           </a:p>
@@ -2279,7 +2279,7 @@
           <a:p>
             <a:fld id="{5BCAD085-E8A6-8845-BD4E-CB4CCA059FC4}" type="datetimeFigureOut">
               <a:rPr lang="en-US" smtClean="0"/>
-              <a:t>9/19/2025</a:t>
+              <a:t>9/22/2025</a:t>
             </a:fld>
             <a:endParaRPr lang="en-US"/>
           </a:p>
@@ -2447,7 +2447,7 @@
           <a:p>
             <a:fld id="{5BCAD085-E8A6-8845-BD4E-CB4CCA059FC4}" type="datetimeFigureOut">
               <a:rPr lang="en-US" smtClean="0"/>
-              <a:t>9/19/2025</a:t>
+              <a:t>9/22/2025</a:t>
             </a:fld>
             <a:endParaRPr lang="en-US"/>
           </a:p>
@@ -2625,7 +2625,7 @@
           <a:p>
             <a:fld id="{5BCAD085-E8A6-8845-BD4E-CB4CCA059FC4}" type="datetimeFigureOut">
               <a:rPr lang="en-US" smtClean="0"/>
-              <a:t>9/19/2025</a:t>
+              <a:t>9/22/2025</a:t>
             </a:fld>
             <a:endParaRPr lang="en-US"/>
           </a:p>
@@ -2793,7 +2793,7 @@
           <a:p>
             <a:fld id="{5BCAD085-E8A6-8845-BD4E-CB4CCA059FC4}" type="datetimeFigureOut">
               <a:rPr lang="en-US" smtClean="0"/>
-              <a:t>9/19/2025</a:t>
+              <a:t>9/22/2025</a:t>
             </a:fld>
             <a:endParaRPr lang="en-US"/>
           </a:p>
@@ -3038,7 +3038,7 @@
           <a:p>
             <a:fld id="{5BCAD085-E8A6-8845-BD4E-CB4CCA059FC4}" type="datetimeFigureOut">
               <a:rPr lang="en-US" smtClean="0"/>
-              <a:t>9/19/2025</a:t>
+              <a:t>9/22/2025</a:t>
             </a:fld>
             <a:endParaRPr lang="en-US"/>
           </a:p>
@@ -3323,7 +3323,7 @@
           <a:p>
             <a:fld id="{5BCAD085-E8A6-8845-BD4E-CB4CCA059FC4}" type="datetimeFigureOut">
               <a:rPr lang="en-US" smtClean="0"/>
-              <a:t>9/19/2025</a:t>
+              <a:t>9/22/2025</a:t>
             </a:fld>
             <a:endParaRPr lang="en-US"/>
           </a:p>
@@ -3742,7 +3742,7 @@
           <a:p>
             <a:fld id="{5BCAD085-E8A6-8845-BD4E-CB4CCA059FC4}" type="datetimeFigureOut">
               <a:rPr lang="en-US" smtClean="0"/>
-              <a:t>9/19/2025</a:t>
+              <a:t>9/22/2025</a:t>
             </a:fld>
             <a:endParaRPr lang="en-US"/>
           </a:p>
@@ -3859,7 +3859,7 @@
           <a:p>
             <a:fld id="{5BCAD085-E8A6-8845-BD4E-CB4CCA059FC4}" type="datetimeFigureOut">
               <a:rPr lang="en-US" smtClean="0"/>
-              <a:t>9/19/2025</a:t>
+              <a:t>9/22/2025</a:t>
             </a:fld>
             <a:endParaRPr lang="en-US"/>
           </a:p>
@@ -3954,7 +3954,7 @@
           <a:p>
             <a:fld id="{5BCAD085-E8A6-8845-BD4E-CB4CCA059FC4}" type="datetimeFigureOut">
               <a:rPr lang="en-US" smtClean="0"/>
-              <a:t>9/19/2025</a:t>
+              <a:t>9/22/2025</a:t>
             </a:fld>
             <a:endParaRPr lang="en-US"/>
           </a:p>
@@ -4229,7 +4229,7 @@
           <a:p>
             <a:fld id="{5BCAD085-E8A6-8845-BD4E-CB4CCA059FC4}" type="datetimeFigureOut">
               <a:rPr lang="en-US" smtClean="0"/>
-              <a:t>9/19/2025</a:t>
+              <a:t>9/22/2025</a:t>
             </a:fld>
             <a:endParaRPr lang="en-US"/>
           </a:p>
@@ -4481,7 +4481,7 @@
           <a:p>
             <a:fld id="{5BCAD085-E8A6-8845-BD4E-CB4CCA059FC4}" type="datetimeFigureOut">
               <a:rPr lang="en-US" smtClean="0"/>
-              <a:t>9/19/2025</a:t>
+              <a:t>9/22/2025</a:t>
             </a:fld>
             <a:endParaRPr lang="en-US"/>
           </a:p>
@@ -4692,7 +4692,7 @@
           <a:p>
             <a:fld id="{5BCAD085-E8A6-8845-BD4E-CB4CCA059FC4}" type="datetimeFigureOut">
               <a:rPr lang="en-US" smtClean="0"/>
-              <a:t>9/19/2025</a:t>
+              <a:t>9/22/2025</a:t>
             </a:fld>
             <a:endParaRPr lang="en-US"/>
           </a:p>
@@ -9978,22 +9978,38 @@
                   <a:schemeClr val="bg1"/>
                 </a:solidFill>
               </a:rPr>
-              <a:t>  How To Make Everything. (2015, Sep 15). How to Make a $1500 Sandwich in Only </a:t>
+              <a:t>  How To Make Everything. (2015, Sep 15). </a:t>
+            </a:r>
+            <a:r>
+              <a:rPr lang="en-US" sz="2400" i="1" dirty="0">
+                <a:solidFill>
+                  <a:schemeClr val="bg1"/>
+                </a:solidFill>
+              </a:rPr>
+              <a:t>How to Make a $1500 Sandwich in Only </a:t>
             </a:r>
             <a:br>
-              <a:rPr lang="en-US" sz="2400" dirty="0">
+              <a:rPr lang="en-US" sz="2400" i="1" dirty="0">
                 <a:solidFill>
                   <a:schemeClr val="bg1"/>
                 </a:solidFill>
               </a:rPr>
             </a:br>
             <a:r>
+              <a:rPr lang="en-US" sz="2400" i="1" dirty="0">
+                <a:solidFill>
+                  <a:schemeClr val="bg1"/>
+                </a:solidFill>
+              </a:rPr>
+              <a:t>  6 Months </a:t>
+            </a:r>
+            <a:r>
               <a:rPr lang="en-US" sz="2400" dirty="0">
                 <a:solidFill>
                   <a:schemeClr val="bg1"/>
                 </a:solidFill>
               </a:rPr>
-              <a:t>  6 Months [Video]. YouTube. https://youtu.be/URvWSsAgtJE?si=OMIgPE25b-fw9pgO</a:t>
+              <a:t>[Video]. YouTube. https://youtu.be/URvWSsAgtJE?si=OMIgPE25b-fw9pgO</a:t>
             </a:r>
           </a:p>
         </p:txBody>
@@ -10137,7 +10153,7 @@
             <a:hlinkClick r:id="" action="ppaction://media"/>
             <a:extLst>
               <a:ext uri="{FF2B5EF4-FFF2-40B4-BE49-F238E27FC236}">
-                <a16:creationId xmlns:a16="http://schemas.microsoft.com/office/drawing/2014/main" id="{9A160F5F-36A0-194A-3BA4-D229A4DECD1A}"/>
+                <a16:creationId xmlns:a16="http://schemas.microsoft.com/office/drawing/2014/main" id="{9073DFA3-9091-90CB-E90E-C190FD53A0BD}"/>
               </a:ext>
             </a:extLst>
           </p:cNvPr>
@@ -13319,7 +13335,23 @@
                   <a:schemeClr val="bg1"/>
                 </a:solidFill>
               </a:rPr>
-              <a:t>  FORA.tv. (2010, Mar 8). Joseph Stiglitz: Smith's "Invisible Hand" a Myth? [Video]. </a:t>
+              <a:t>  FORA.tv. (2010, Mar 8). </a:t>
+            </a:r>
+            <a:r>
+              <a:rPr lang="en-US" sz="2400" i="1" dirty="0">
+                <a:solidFill>
+                  <a:schemeClr val="bg1"/>
+                </a:solidFill>
+              </a:rPr>
+              <a:t>Joseph Stiglitz: Smith's "Invisible Hand" a Myth? </a:t>
+            </a:r>
+            <a:r>
+              <a:rPr lang="en-US" sz="2400" dirty="0">
+                <a:solidFill>
+                  <a:schemeClr val="bg1"/>
+                </a:solidFill>
+              </a:rPr>
+              <a:t>[Video]. </a:t>
             </a:r>
             <a:br>
               <a:rPr lang="en-US" sz="2400" dirty="0">
@@ -13478,7 +13510,7 @@
             <a:hlinkClick r:id="" action="ppaction://media"/>
             <a:extLst>
               <a:ext uri="{FF2B5EF4-FFF2-40B4-BE49-F238E27FC236}">
-                <a16:creationId xmlns:a16="http://schemas.microsoft.com/office/drawing/2014/main" id="{67E0EC3F-3A8F-B699-0F2C-D562C47A32A9}"/>
+                <a16:creationId xmlns:a16="http://schemas.microsoft.com/office/drawing/2014/main" id="{21B2A226-C233-33A2-03EE-0B20E8FA1BD7}"/>
               </a:ext>
             </a:extLst>
           </p:cNvPr>
@@ -21119,22 +21151,38 @@
                   <a:schemeClr val="bg1"/>
                 </a:solidFill>
               </a:rPr>
-              <a:t>  A long, long time ago. (2022, Jan 9). 1923: Hyperinflation | GCSE History | Weimar</a:t>
+              <a:t>  A long, long time ago. (2022, Jan 9). 1923: </a:t>
+            </a:r>
+            <a:r>
+              <a:rPr lang="en-US" sz="2400" i="1" dirty="0">
+                <a:solidFill>
+                  <a:schemeClr val="bg1"/>
+                </a:solidFill>
+              </a:rPr>
+              <a:t>Hyperinflation | GCSE History | Weimar</a:t>
             </a:r>
             <a:br>
-              <a:rPr lang="en-US" sz="2400" dirty="0">
+              <a:rPr lang="en-US" sz="2400" i="1" dirty="0">
                 <a:solidFill>
                   <a:schemeClr val="bg1"/>
                 </a:solidFill>
               </a:rPr>
             </a:br>
             <a:r>
+              <a:rPr lang="en-US" sz="2400" i="1" dirty="0">
+                <a:solidFill>
+                  <a:schemeClr val="bg1"/>
+                </a:solidFill>
+              </a:rPr>
+              <a:t>  Germany</a:t>
+            </a:r>
+            <a:r>
               <a:rPr lang="en-US" sz="2400" dirty="0">
                 <a:solidFill>
                   <a:schemeClr val="bg1"/>
                 </a:solidFill>
               </a:rPr>
-              <a:t>  Germany [Video]. YouTube. https://youtu.be/O2CIeNANQMM?si=PacreIw3jb5PAZ0i</a:t>
+              <a:t> [Video]. YouTube. https://youtu.be/O2CIeNANQMM?si=PacreIw3jb5PAZ0i</a:t>
             </a:r>
           </a:p>
         </p:txBody>
@@ -21278,7 +21326,7 @@
             <a:hlinkClick r:id="" action="ppaction://media"/>
             <a:extLst>
               <a:ext uri="{FF2B5EF4-FFF2-40B4-BE49-F238E27FC236}">
-                <a16:creationId xmlns:a16="http://schemas.microsoft.com/office/drawing/2014/main" id="{3A1C9D39-175C-4B65-F4E1-905D99721665}"/>
+                <a16:creationId xmlns:a16="http://schemas.microsoft.com/office/drawing/2014/main" id="{BE6B6ACC-6AE9-AD1F-74B8-A721E5448D03}"/>
               </a:ext>
             </a:extLst>
           </p:cNvPr>
